--- a/BA/Entwurf Bachelorarbeit.pptx
+++ b/BA/Entwurf Bachelorarbeit.pptx
@@ -913,7 +913,13 @@
         <a:p>
           <a:r>
             <a:rPr lang="de-DE" sz="1600" dirty="0"/>
-            <a:t>Kapitel 1 und 2</a:t>
+            <a:t>Eye-Tracking</a:t>
+          </a:r>
+        </a:p>
+        <a:p>
+          <a:r>
+            <a:rPr lang="de-DE" sz="1600" dirty="0"/>
+            <a:t>27.5 – 2.6</a:t>
           </a:r>
         </a:p>
       </dgm:t>
@@ -949,7 +955,13 @@
         <a:p>
           <a:r>
             <a:rPr lang="de-DE" sz="1600" dirty="0"/>
-            <a:t>Kapitel 3 und 4</a:t>
+            <a:t>Eye-Tracking/ fMRT</a:t>
+          </a:r>
+        </a:p>
+        <a:p>
+          <a:r>
+            <a:rPr lang="de-DE" sz="1600" dirty="0"/>
+            <a:t>3.6 – 9.6.</a:t>
           </a:r>
         </a:p>
       </dgm:t>
@@ -985,7 +997,13 @@
         <a:p>
           <a:r>
             <a:rPr lang="de-DE" sz="1600" dirty="0"/>
-            <a:t>fMRT</a:t>
+            <a:t>EEG</a:t>
+          </a:r>
+        </a:p>
+        <a:p>
+          <a:r>
+            <a:rPr lang="de-DE" sz="1600" dirty="0"/>
+            <a:t>17.6 – 23.6</a:t>
           </a:r>
         </a:p>
       </dgm:t>
@@ -1021,7 +1039,13 @@
         <a:p>
           <a:r>
             <a:rPr lang="de-DE" sz="1600" dirty="0"/>
-            <a:t>EEG</a:t>
+            <a:t>EEG/Hautleitfähigkeit</a:t>
+          </a:r>
+        </a:p>
+        <a:p>
+          <a:r>
+            <a:rPr lang="de-DE" sz="1600" dirty="0"/>
+            <a:t>24.6 – 30.6</a:t>
           </a:r>
         </a:p>
       </dgm:t>
@@ -1057,7 +1081,13 @@
         <a:p>
           <a:r>
             <a:rPr lang="de-DE" sz="1600" dirty="0"/>
-            <a:t>EEG / Eye-Tracking</a:t>
+            <a:t>Hautleitfähigkeit</a:t>
+          </a:r>
+        </a:p>
+        <a:p>
+          <a:r>
+            <a:rPr lang="de-DE" sz="1600" dirty="0"/>
+            <a:t>1.7 – 7.7</a:t>
           </a:r>
         </a:p>
       </dgm:t>
@@ -1093,7 +1123,13 @@
         <a:p>
           <a:r>
             <a:rPr lang="de-DE" sz="1600" dirty="0"/>
-            <a:t>Eye-Tracking</a:t>
+            <a:t>Kapitel 1 und 2</a:t>
+          </a:r>
+        </a:p>
+        <a:p>
+          <a:r>
+            <a:rPr lang="de-DE" sz="1600" dirty="0"/>
+            <a:t>8.7 – 14. 7</a:t>
           </a:r>
         </a:p>
       </dgm:t>
@@ -1129,7 +1165,13 @@
         <a:p>
           <a:r>
             <a:rPr lang="de-DE" sz="1600" dirty="0"/>
-            <a:t>Hautleitfähigkeit</a:t>
+            <a:t>Kapitel 3 und 4</a:t>
+          </a:r>
+        </a:p>
+        <a:p>
+          <a:r>
+            <a:rPr lang="de-DE" sz="1600" dirty="0"/>
+            <a:t>15.7 – 21.7</a:t>
           </a:r>
         </a:p>
       </dgm:t>
@@ -1168,6 +1210,12 @@
             <a:t>Hautleitfähigkeit / Kapitel 5-7</a:t>
           </a:r>
         </a:p>
+        <a:p>
+          <a:r>
+            <a:rPr lang="de-DE" sz="1600" dirty="0"/>
+            <a:t>22.7 – 28.7</a:t>
+          </a:r>
+        </a:p>
       </dgm:t>
     </dgm:pt>
     <dgm:pt modelId="{709245AB-F0D1-4019-A631-BB90676D226E}" type="parTrans" cxnId="{29C73787-9214-4B99-8BD4-80AF6FCAD295}">
@@ -1204,6 +1252,15 @@
             <a:t>Recherchieren nach Referenzen</a:t>
           </a:r>
         </a:p>
+        <a:p>
+          <a:r>
+            <a:rPr lang="de-DE" sz="1600" dirty="0"/>
+            <a:t>20 – 26.5</a:t>
+          </a:r>
+        </a:p>
+        <a:p>
+          <a:endParaRPr lang="de-DE" sz="1600" dirty="0"/>
+        </a:p>
       </dgm:t>
     </dgm:pt>
     <dgm:pt modelId="{CF10361B-7E62-4988-BAAB-3E5B2E189EFD}" type="parTrans" cxnId="{7741E2F7-BD5F-48DB-8F62-660E5EDCE4AA}">
@@ -1237,7 +1294,13 @@
         <a:p>
           <a:r>
             <a:rPr lang="de-DE" sz="1600" dirty="0"/>
-            <a:t>R lernen / fMRT</a:t>
+            <a:t>fMRT</a:t>
+          </a:r>
+        </a:p>
+        <a:p>
+          <a:r>
+            <a:rPr lang="de-DE" sz="1600" dirty="0"/>
+            <a:t>10.6 – 16.6</a:t>
           </a:r>
         </a:p>
       </dgm:t>
@@ -1276,6 +1339,12 @@
             <a:t>Kapitel 8</a:t>
           </a:r>
         </a:p>
+        <a:p>
+          <a:r>
+            <a:rPr lang="de-DE" sz="1600" dirty="0"/>
+            <a:t>29.7 – 4.8</a:t>
+          </a:r>
+        </a:p>
       </dgm:t>
     </dgm:pt>
     <dgm:pt modelId="{8AC62B75-D2A0-4F3F-BA21-33038E5BF115}" type="parTrans" cxnId="{1E2C2E86-4B9A-4F8D-B8B6-40BF34268F7B}">
@@ -1310,7 +1379,7 @@
       <dgm:spPr/>
     </dgm:pt>
     <dgm:pt modelId="{C740B611-C960-4893-8E9A-F91F4491D7C6}" type="pres">
-      <dgm:prSet presAssocID="{97A84EFE-156E-490A-B2B3-0F3C19EC52E1}" presName="arrow" presStyleLbl="bgShp" presStyleIdx="0" presStyleCnt="1"/>
+      <dgm:prSet presAssocID="{97A84EFE-156E-490A-B2B3-0F3C19EC52E1}" presName="arrow" presStyleLbl="bgShp" presStyleIdx="0" presStyleCnt="1" custLinFactNeighborY="2219"/>
       <dgm:spPr>
         <a:ln>
           <a:noFill/>
@@ -1688,7 +1757,7 @@
       </dsp:nvSpPr>
       <dsp:spPr>
         <a:xfrm>
-          <a:off x="0" y="1685861"/>
+          <a:off x="0" y="1735740"/>
           <a:ext cx="12075886" cy="2247815"/>
         </a:xfrm>
         <a:prstGeom prst="notchedRightArrow">
@@ -1774,6 +1843,39 @@
             <a:rPr lang="de-DE" sz="1600" kern="1200" dirty="0"/>
             <a:t>Recherchieren nach Referenzen</a:t>
           </a:r>
+        </a:p>
+        <a:p>
+          <a:pPr marL="0" lvl="0" indent="0" algn="ctr" defTabSz="711200">
+            <a:lnSpc>
+              <a:spcPct val="90000"/>
+            </a:lnSpc>
+            <a:spcBef>
+              <a:spcPct val="0"/>
+            </a:spcBef>
+            <a:spcAft>
+              <a:spcPct val="35000"/>
+            </a:spcAft>
+            <a:buNone/>
+          </a:pPr>
+          <a:r>
+            <a:rPr lang="de-DE" sz="1600" kern="1200" dirty="0"/>
+            <a:t>20 – 26.5</a:t>
+          </a:r>
+        </a:p>
+        <a:p>
+          <a:pPr marL="0" lvl="0" indent="0" algn="ctr" defTabSz="711200">
+            <a:lnSpc>
+              <a:spcPct val="90000"/>
+            </a:lnSpc>
+            <a:spcBef>
+              <a:spcPct val="0"/>
+            </a:spcBef>
+            <a:spcAft>
+              <a:spcPct val="35000"/>
+            </a:spcAft>
+            <a:buNone/>
+          </a:pPr>
+          <a:endParaRPr lang="de-DE" sz="1600" kern="1200" dirty="0"/>
         </a:p>
       </dsp:txBody>
       <dsp:txXfrm>
@@ -1881,7 +1983,25 @@
           </a:pPr>
           <a:r>
             <a:rPr lang="de-DE" sz="1600" kern="1200" dirty="0"/>
-            <a:t>Kapitel 1 und 2</a:t>
+            <a:t>Eye-Tracking</a:t>
+          </a:r>
+        </a:p>
+        <a:p>
+          <a:pPr marL="0" lvl="0" indent="0" algn="ctr" defTabSz="711200">
+            <a:lnSpc>
+              <a:spcPct val="90000"/>
+            </a:lnSpc>
+            <a:spcBef>
+              <a:spcPct val="0"/>
+            </a:spcBef>
+            <a:spcAft>
+              <a:spcPct val="35000"/>
+            </a:spcAft>
+            <a:buNone/>
+          </a:pPr>
+          <a:r>
+            <a:rPr lang="de-DE" sz="1600" kern="1200" dirty="0"/>
+            <a:t>27.5 – 2.6</a:t>
           </a:r>
         </a:p>
       </dsp:txBody>
@@ -1990,7 +2110,25 @@
           </a:pPr>
           <a:r>
             <a:rPr lang="de-DE" sz="1600" kern="1200" dirty="0"/>
-            <a:t>Kapitel 3 und 4</a:t>
+            <a:t>Eye-Tracking/ fMRT</a:t>
+          </a:r>
+        </a:p>
+        <a:p>
+          <a:pPr marL="0" lvl="0" indent="0" algn="ctr" defTabSz="711200">
+            <a:lnSpc>
+              <a:spcPct val="90000"/>
+            </a:lnSpc>
+            <a:spcBef>
+              <a:spcPct val="0"/>
+            </a:spcBef>
+            <a:spcAft>
+              <a:spcPct val="35000"/>
+            </a:spcAft>
+            <a:buNone/>
+          </a:pPr>
+          <a:r>
+            <a:rPr lang="de-DE" sz="1600" kern="1200" dirty="0"/>
+            <a:t>3.6 – 9.6.</a:t>
           </a:r>
         </a:p>
       </dsp:txBody>
@@ -2099,7 +2237,25 @@
           </a:pPr>
           <a:r>
             <a:rPr lang="de-DE" sz="1600" kern="1200" dirty="0"/>
-            <a:t>R lernen / fMRT</a:t>
+            <a:t>fMRT</a:t>
+          </a:r>
+        </a:p>
+        <a:p>
+          <a:pPr marL="0" lvl="0" indent="0" algn="ctr" defTabSz="711200">
+            <a:lnSpc>
+              <a:spcPct val="90000"/>
+            </a:lnSpc>
+            <a:spcBef>
+              <a:spcPct val="0"/>
+            </a:spcBef>
+            <a:spcAft>
+              <a:spcPct val="35000"/>
+            </a:spcAft>
+            <a:buNone/>
+          </a:pPr>
+          <a:r>
+            <a:rPr lang="de-DE" sz="1600" kern="1200" dirty="0"/>
+            <a:t>10.6 – 16.6</a:t>
           </a:r>
         </a:p>
       </dsp:txBody>
@@ -2208,7 +2364,25 @@
           </a:pPr>
           <a:r>
             <a:rPr lang="de-DE" sz="1600" kern="1200" dirty="0"/>
-            <a:t>fMRT</a:t>
+            <a:t>EEG</a:t>
+          </a:r>
+        </a:p>
+        <a:p>
+          <a:pPr marL="0" lvl="0" indent="0" algn="ctr" defTabSz="711200">
+            <a:lnSpc>
+              <a:spcPct val="90000"/>
+            </a:lnSpc>
+            <a:spcBef>
+              <a:spcPct val="0"/>
+            </a:spcBef>
+            <a:spcAft>
+              <a:spcPct val="35000"/>
+            </a:spcAft>
+            <a:buNone/>
+          </a:pPr>
+          <a:r>
+            <a:rPr lang="de-DE" sz="1600" kern="1200" dirty="0"/>
+            <a:t>17.6 – 23.6</a:t>
           </a:r>
         </a:p>
       </dsp:txBody>
@@ -2317,7 +2491,25 @@
           </a:pPr>
           <a:r>
             <a:rPr lang="de-DE" sz="1600" kern="1200" dirty="0"/>
-            <a:t>EEG</a:t>
+            <a:t>EEG/Hautleitfähigkeit</a:t>
+          </a:r>
+        </a:p>
+        <a:p>
+          <a:pPr marL="0" lvl="0" indent="0" algn="ctr" defTabSz="711200">
+            <a:lnSpc>
+              <a:spcPct val="90000"/>
+            </a:lnSpc>
+            <a:spcBef>
+              <a:spcPct val="0"/>
+            </a:spcBef>
+            <a:spcAft>
+              <a:spcPct val="35000"/>
+            </a:spcAft>
+            <a:buNone/>
+          </a:pPr>
+          <a:r>
+            <a:rPr lang="de-DE" sz="1600" kern="1200" dirty="0"/>
+            <a:t>24.6 – 30.6</a:t>
           </a:r>
         </a:p>
       </dsp:txBody>
@@ -2426,7 +2618,25 @@
           </a:pPr>
           <a:r>
             <a:rPr lang="de-DE" sz="1600" kern="1200" dirty="0"/>
-            <a:t>EEG / Eye-Tracking</a:t>
+            <a:t>Hautleitfähigkeit</a:t>
+          </a:r>
+        </a:p>
+        <a:p>
+          <a:pPr marL="0" lvl="0" indent="0" algn="ctr" defTabSz="711200">
+            <a:lnSpc>
+              <a:spcPct val="90000"/>
+            </a:lnSpc>
+            <a:spcBef>
+              <a:spcPct val="0"/>
+            </a:spcBef>
+            <a:spcAft>
+              <a:spcPct val="35000"/>
+            </a:spcAft>
+            <a:buNone/>
+          </a:pPr>
+          <a:r>
+            <a:rPr lang="de-DE" sz="1600" kern="1200" dirty="0"/>
+            <a:t>1.7 – 7.7</a:t>
           </a:r>
         </a:p>
       </dsp:txBody>
@@ -2535,7 +2745,25 @@
           </a:pPr>
           <a:r>
             <a:rPr lang="de-DE" sz="1600" kern="1200" dirty="0"/>
-            <a:t>Eye-Tracking</a:t>
+            <a:t>Kapitel 1 und 2</a:t>
+          </a:r>
+        </a:p>
+        <a:p>
+          <a:pPr marL="0" lvl="0" indent="0" algn="ctr" defTabSz="711200">
+            <a:lnSpc>
+              <a:spcPct val="90000"/>
+            </a:lnSpc>
+            <a:spcBef>
+              <a:spcPct val="0"/>
+            </a:spcBef>
+            <a:spcAft>
+              <a:spcPct val="35000"/>
+            </a:spcAft>
+            <a:buNone/>
+          </a:pPr>
+          <a:r>
+            <a:rPr lang="de-DE" sz="1600" kern="1200" dirty="0"/>
+            <a:t>8.7 – 14. 7</a:t>
           </a:r>
         </a:p>
       </dsp:txBody>
@@ -2644,7 +2872,25 @@
           </a:pPr>
           <a:r>
             <a:rPr lang="de-DE" sz="1600" kern="1200" dirty="0"/>
-            <a:t>Hautleitfähigkeit</a:t>
+            <a:t>Kapitel 3 und 4</a:t>
+          </a:r>
+        </a:p>
+        <a:p>
+          <a:pPr marL="0" lvl="0" indent="0" algn="ctr" defTabSz="711200">
+            <a:lnSpc>
+              <a:spcPct val="90000"/>
+            </a:lnSpc>
+            <a:spcBef>
+              <a:spcPct val="0"/>
+            </a:spcBef>
+            <a:spcAft>
+              <a:spcPct val="35000"/>
+            </a:spcAft>
+            <a:buNone/>
+          </a:pPr>
+          <a:r>
+            <a:rPr lang="de-DE" sz="1600" kern="1200" dirty="0"/>
+            <a:t>15.7 – 21.7</a:t>
           </a:r>
         </a:p>
       </dsp:txBody>
@@ -2756,6 +3002,24 @@
             <a:t>Hautleitfähigkeit / Kapitel 5-7</a:t>
           </a:r>
         </a:p>
+        <a:p>
+          <a:pPr marL="0" lvl="0" indent="0" algn="ctr" defTabSz="711200">
+            <a:lnSpc>
+              <a:spcPct val="90000"/>
+            </a:lnSpc>
+            <a:spcBef>
+              <a:spcPct val="0"/>
+            </a:spcBef>
+            <a:spcAft>
+              <a:spcPct val="35000"/>
+            </a:spcAft>
+            <a:buNone/>
+          </a:pPr>
+          <a:r>
+            <a:rPr lang="de-DE" sz="1600" kern="1200" dirty="0"/>
+            <a:t>22.7 – 28.7</a:t>
+          </a:r>
+        </a:p>
       </dsp:txBody>
       <dsp:txXfrm>
         <a:off x="8929197" y="3371722"/>
@@ -2863,6 +3127,24 @@
           <a:r>
             <a:rPr lang="de-DE" sz="1600" kern="1200" dirty="0"/>
             <a:t>Kapitel 8</a:t>
+          </a:r>
+        </a:p>
+        <a:p>
+          <a:pPr marL="0" lvl="0" indent="0" algn="ctr" defTabSz="711200">
+            <a:lnSpc>
+              <a:spcPct val="90000"/>
+            </a:lnSpc>
+            <a:spcBef>
+              <a:spcPct val="0"/>
+            </a:spcBef>
+            <a:spcAft>
+              <a:spcPct val="35000"/>
+            </a:spcAft>
+            <a:buNone/>
+          </a:pPr>
+          <a:r>
+            <a:rPr lang="de-DE" sz="1600" kern="1200" dirty="0"/>
+            <a:t>29.7 – 4.8</a:t>
           </a:r>
         </a:p>
       </dsp:txBody>
@@ -4952,7 +5234,7 @@
           <a:p>
             <a:fld id="{BE2EBC4D-D322-414F-8E0D-F99093FEA75D}" type="datetimeFigureOut">
               <a:rPr lang="de-DE" smtClean="0"/>
-              <a:t>18.03.2019</a:t>
+              <a:t>15.05.2019</a:t>
             </a:fld>
             <a:endParaRPr lang="de-DE"/>
           </a:p>
@@ -5203,7 +5485,7 @@
           <a:p>
             <a:fld id="{BE2EBC4D-D322-414F-8E0D-F99093FEA75D}" type="datetimeFigureOut">
               <a:rPr lang="de-DE" smtClean="0"/>
-              <a:t>18.03.2019</a:t>
+              <a:t>15.05.2019</a:t>
             </a:fld>
             <a:endParaRPr lang="de-DE"/>
           </a:p>
@@ -5517,7 +5799,7 @@
           <a:p>
             <a:fld id="{BE2EBC4D-D322-414F-8E0D-F99093FEA75D}" type="datetimeFigureOut">
               <a:rPr lang="de-DE" smtClean="0"/>
-              <a:t>18.03.2019</a:t>
+              <a:t>15.05.2019</a:t>
             </a:fld>
             <a:endParaRPr lang="de-DE"/>
           </a:p>
@@ -5858,7 +6140,7 @@
           <a:p>
             <a:fld id="{BE2EBC4D-D322-414F-8E0D-F99093FEA75D}" type="datetimeFigureOut">
               <a:rPr lang="de-DE" smtClean="0"/>
-              <a:t>18.03.2019</a:t>
+              <a:t>15.05.2019</a:t>
             </a:fld>
             <a:endParaRPr lang="de-DE"/>
           </a:p>
@@ -6172,7 +6454,7 @@
           <a:p>
             <a:fld id="{BE2EBC4D-D322-414F-8E0D-F99093FEA75D}" type="datetimeFigureOut">
               <a:rPr lang="de-DE" smtClean="0"/>
-              <a:t>18.03.2019</a:t>
+              <a:t>15.05.2019</a:t>
             </a:fld>
             <a:endParaRPr lang="de-DE"/>
           </a:p>
@@ -6565,7 +6847,7 @@
           <a:p>
             <a:fld id="{BE2EBC4D-D322-414F-8E0D-F99093FEA75D}" type="datetimeFigureOut">
               <a:rPr lang="de-DE" smtClean="0"/>
-              <a:t>18.03.2019</a:t>
+              <a:t>15.05.2019</a:t>
             </a:fld>
             <a:endParaRPr lang="de-DE"/>
           </a:p>
@@ -6735,7 +7017,7 @@
           <a:p>
             <a:fld id="{BE2EBC4D-D322-414F-8E0D-F99093FEA75D}" type="datetimeFigureOut">
               <a:rPr lang="de-DE" smtClean="0"/>
-              <a:t>18.03.2019</a:t>
+              <a:t>15.05.2019</a:t>
             </a:fld>
             <a:endParaRPr lang="de-DE"/>
           </a:p>
@@ -6915,7 +7197,7 @@
           <a:p>
             <a:fld id="{BE2EBC4D-D322-414F-8E0D-F99093FEA75D}" type="datetimeFigureOut">
               <a:rPr lang="de-DE" smtClean="0"/>
-              <a:t>18.03.2019</a:t>
+              <a:t>15.05.2019</a:t>
             </a:fld>
             <a:endParaRPr lang="de-DE"/>
           </a:p>
@@ -7091,7 +7373,7 @@
           <a:p>
             <a:fld id="{BE2EBC4D-D322-414F-8E0D-F99093FEA75D}" type="datetimeFigureOut">
               <a:rPr lang="de-DE" smtClean="0"/>
-              <a:t>18.03.2019</a:t>
+              <a:t>15.05.2019</a:t>
             </a:fld>
             <a:endParaRPr lang="de-DE"/>
           </a:p>
@@ -7338,7 +7620,7 @@
           <a:p>
             <a:fld id="{BE2EBC4D-D322-414F-8E0D-F99093FEA75D}" type="datetimeFigureOut">
               <a:rPr lang="de-DE" smtClean="0"/>
-              <a:t>18.03.2019</a:t>
+              <a:t>15.05.2019</a:t>
             </a:fld>
             <a:endParaRPr lang="de-DE"/>
           </a:p>
@@ -7570,7 +7852,7 @@
           <a:p>
             <a:fld id="{BE2EBC4D-D322-414F-8E0D-F99093FEA75D}" type="datetimeFigureOut">
               <a:rPr lang="de-DE" smtClean="0"/>
-              <a:t>18.03.2019</a:t>
+              <a:t>15.05.2019</a:t>
             </a:fld>
             <a:endParaRPr lang="de-DE"/>
           </a:p>
@@ -7944,7 +8226,7 @@
           <a:p>
             <a:fld id="{BE2EBC4D-D322-414F-8E0D-F99093FEA75D}" type="datetimeFigureOut">
               <a:rPr lang="de-DE" smtClean="0"/>
-              <a:t>18.03.2019</a:t>
+              <a:t>15.05.2019</a:t>
             </a:fld>
             <a:endParaRPr lang="de-DE"/>
           </a:p>
@@ -8067,7 +8349,7 @@
           <a:p>
             <a:fld id="{BE2EBC4D-D322-414F-8E0D-F99093FEA75D}" type="datetimeFigureOut">
               <a:rPr lang="de-DE" smtClean="0"/>
-              <a:t>18.03.2019</a:t>
+              <a:t>15.05.2019</a:t>
             </a:fld>
             <a:endParaRPr lang="de-DE"/>
           </a:p>
@@ -8162,7 +8444,7 @@
           <a:p>
             <a:fld id="{BE2EBC4D-D322-414F-8E0D-F99093FEA75D}" type="datetimeFigureOut">
               <a:rPr lang="de-DE" smtClean="0"/>
-              <a:t>18.03.2019</a:t>
+              <a:t>15.05.2019</a:t>
             </a:fld>
             <a:endParaRPr lang="de-DE"/>
           </a:p>
@@ -8417,7 +8699,7 @@
           <a:p>
             <a:fld id="{BE2EBC4D-D322-414F-8E0D-F99093FEA75D}" type="datetimeFigureOut">
               <a:rPr lang="de-DE" smtClean="0"/>
-              <a:t>18.03.2019</a:t>
+              <a:t>15.05.2019</a:t>
             </a:fld>
             <a:endParaRPr lang="de-DE"/>
           </a:p>
@@ -8680,7 +8962,7 @@
           <a:p>
             <a:fld id="{BE2EBC4D-D322-414F-8E0D-F99093FEA75D}" type="datetimeFigureOut">
               <a:rPr lang="de-DE" smtClean="0"/>
-              <a:t>18.03.2019</a:t>
+              <a:t>15.05.2019</a:t>
             </a:fld>
             <a:endParaRPr lang="de-DE"/>
           </a:p>
@@ -9423,7 +9705,7 @@
           <a:p>
             <a:fld id="{BE2EBC4D-D322-414F-8E0D-F99093FEA75D}" type="datetimeFigureOut">
               <a:rPr lang="de-DE" smtClean="0"/>
-              <a:t>18.03.2019</a:t>
+              <a:t>15.05.2019</a:t>
             </a:fld>
             <a:endParaRPr lang="de-DE"/>
           </a:p>
@@ -10049,7 +10331,12 @@
             <p:ph type="title"/>
           </p:nvPr>
         </p:nvSpPr>
-        <p:spPr/>
+        <p:spPr>
+          <a:xfrm>
+            <a:off x="1442105" y="606695"/>
+            <a:ext cx="8596668" cy="1320800"/>
+          </a:xfrm>
+        </p:spPr>
         <p:txBody>
           <a:bodyPr/>
           <a:lstStyle/>
@@ -10074,7 +10361,7 @@
           <p:nvPr>
             <p:extLst>
               <p:ext uri="{D42A27DB-BD31-4B8C-83A1-F6EECF244321}">
-                <p14:modId xmlns:p14="http://schemas.microsoft.com/office/powerpoint/2010/main" val="3513281733"/>
+                <p14:modId xmlns:p14="http://schemas.microsoft.com/office/powerpoint/2010/main" val="2935124710"/>
               </p:ext>
             </p:extLst>
           </p:nvPr>
